--- a/hw03.pptx
+++ b/hw03.pptx
@@ -104,6 +104,11 @@
       </a:defRPr>
     </a:lvl9pPr>
   </p:defaultTextStyle>
+  <p:extLst>
+    <p:ext uri="{EFAFB233-063F-42B5-8137-9DF3F51BA10A}">
+      <p15:sldGuideLst xmlns:p15="http://schemas.microsoft.com/office/powerpoint/2012/main"/>
+    </p:ext>
+  </p:extLst>
 </p:presentation>
 </file>
 
@@ -254,7 +259,7 @@
           <a:p>
             <a:fld id="{C3C90D7E-32D6-4894-AE08-7BBB3E610FC9}" type="datetimeFigureOut">
               <a:rPr lang="zh-TW" altLang="en-US" smtClean="0"/>
-              <a:t>2024/9/16</a:t>
+              <a:t>2024/10/21</a:t>
             </a:fld>
             <a:endParaRPr lang="zh-TW" altLang="en-US"/>
           </a:p>
@@ -452,7 +457,7 @@
           <a:p>
             <a:fld id="{C3C90D7E-32D6-4894-AE08-7BBB3E610FC9}" type="datetimeFigureOut">
               <a:rPr lang="zh-TW" altLang="en-US" smtClean="0"/>
-              <a:t>2024/9/16</a:t>
+              <a:t>2024/10/21</a:t>
             </a:fld>
             <a:endParaRPr lang="zh-TW" altLang="en-US"/>
           </a:p>
@@ -660,7 +665,7 @@
           <a:p>
             <a:fld id="{C3C90D7E-32D6-4894-AE08-7BBB3E610FC9}" type="datetimeFigureOut">
               <a:rPr lang="zh-TW" altLang="en-US" smtClean="0"/>
-              <a:t>2024/9/16</a:t>
+              <a:t>2024/10/21</a:t>
             </a:fld>
             <a:endParaRPr lang="zh-TW" altLang="en-US"/>
           </a:p>
@@ -858,7 +863,7 @@
           <a:p>
             <a:fld id="{C3C90D7E-32D6-4894-AE08-7BBB3E610FC9}" type="datetimeFigureOut">
               <a:rPr lang="zh-TW" altLang="en-US" smtClean="0"/>
-              <a:t>2024/9/16</a:t>
+              <a:t>2024/10/21</a:t>
             </a:fld>
             <a:endParaRPr lang="zh-TW" altLang="en-US"/>
           </a:p>
@@ -1133,7 +1138,7 @@
           <a:p>
             <a:fld id="{C3C90D7E-32D6-4894-AE08-7BBB3E610FC9}" type="datetimeFigureOut">
               <a:rPr lang="zh-TW" altLang="en-US" smtClean="0"/>
-              <a:t>2024/9/16</a:t>
+              <a:t>2024/10/21</a:t>
             </a:fld>
             <a:endParaRPr lang="zh-TW" altLang="en-US"/>
           </a:p>
@@ -1398,7 +1403,7 @@
           <a:p>
             <a:fld id="{C3C90D7E-32D6-4894-AE08-7BBB3E610FC9}" type="datetimeFigureOut">
               <a:rPr lang="zh-TW" altLang="en-US" smtClean="0"/>
-              <a:t>2024/9/16</a:t>
+              <a:t>2024/10/21</a:t>
             </a:fld>
             <a:endParaRPr lang="zh-TW" altLang="en-US"/>
           </a:p>
@@ -1810,7 +1815,7 @@
           <a:p>
             <a:fld id="{C3C90D7E-32D6-4894-AE08-7BBB3E610FC9}" type="datetimeFigureOut">
               <a:rPr lang="zh-TW" altLang="en-US" smtClean="0"/>
-              <a:t>2024/9/16</a:t>
+              <a:t>2024/10/21</a:t>
             </a:fld>
             <a:endParaRPr lang="zh-TW" altLang="en-US"/>
           </a:p>
@@ -1951,7 +1956,7 @@
           <a:p>
             <a:fld id="{C3C90D7E-32D6-4894-AE08-7BBB3E610FC9}" type="datetimeFigureOut">
               <a:rPr lang="zh-TW" altLang="en-US" smtClean="0"/>
-              <a:t>2024/9/16</a:t>
+              <a:t>2024/10/21</a:t>
             </a:fld>
             <a:endParaRPr lang="zh-TW" altLang="en-US"/>
           </a:p>
@@ -2064,7 +2069,7 @@
           <a:p>
             <a:fld id="{C3C90D7E-32D6-4894-AE08-7BBB3E610FC9}" type="datetimeFigureOut">
               <a:rPr lang="zh-TW" altLang="en-US" smtClean="0"/>
-              <a:t>2024/9/16</a:t>
+              <a:t>2024/10/21</a:t>
             </a:fld>
             <a:endParaRPr lang="zh-TW" altLang="en-US"/>
           </a:p>
@@ -2375,7 +2380,7 @@
           <a:p>
             <a:fld id="{C3C90D7E-32D6-4894-AE08-7BBB3E610FC9}" type="datetimeFigureOut">
               <a:rPr lang="zh-TW" altLang="en-US" smtClean="0"/>
-              <a:t>2024/9/16</a:t>
+              <a:t>2024/10/21</a:t>
             </a:fld>
             <a:endParaRPr lang="zh-TW" altLang="en-US"/>
           </a:p>
@@ -2663,7 +2668,7 @@
           <a:p>
             <a:fld id="{C3C90D7E-32D6-4894-AE08-7BBB3E610FC9}" type="datetimeFigureOut">
               <a:rPr lang="zh-TW" altLang="en-US" smtClean="0"/>
-              <a:t>2024/9/16</a:t>
+              <a:t>2024/10/21</a:t>
             </a:fld>
             <a:endParaRPr lang="zh-TW" altLang="en-US"/>
           </a:p>
@@ -2904,7 +2909,7 @@
           <a:p>
             <a:fld id="{C3C90D7E-32D6-4894-AE08-7BBB3E610FC9}" type="datetimeFigureOut">
               <a:rPr lang="zh-TW" altLang="en-US" smtClean="0"/>
-              <a:t>2024/9/16</a:t>
+              <a:t>2024/10/21</a:t>
             </a:fld>
             <a:endParaRPr lang="zh-TW" altLang="en-US"/>
           </a:p>
@@ -3367,7 +3372,32 @@
           <a:bodyPr/>
           <a:lstStyle/>
           <a:p>
-            <a:endParaRPr lang="zh-TW" altLang="en-US"/>
+            <a:r>
+              <a:rPr lang="en-US" altLang="zh-TW" dirty="0"/>
+              <a:t>h</a:t>
+            </a:r>
+            <a:r>
+              <a:rPr lang="en-US" altLang="zh-TW"/>
+              <a:t>w01-04</a:t>
+            </a:r>
+            <a:r>
+              <a:rPr lang="en-US" altLang="zh-TW" dirty="0"/>
+              <a:t>.ppt</a:t>
+            </a:r>
+            <a:r>
+              <a:rPr lang="zh-TW" altLang="en-US" dirty="0"/>
+              <a:t>：</a:t>
+            </a:r>
+            <a:r>
+              <a:rPr lang="en-US" altLang="zh-TW" dirty="0">
+                <a:hlinkClick r:id="rId2"/>
+              </a:rPr>
+              <a:t>https://drive.google.com/drive/folders/1-pDV9bIA_EX6QU-Ci_Drk7dGkvZ8RmOG?usp=drive_link</a:t>
+            </a:r>
+            <a:endParaRPr lang="en-US" altLang="zh-TW" dirty="0"/>
+          </a:p>
+          <a:p>
+            <a:endParaRPr lang="en-US" altLang="zh-TW" dirty="0"/>
           </a:p>
         </p:txBody>
       </p:sp>
